--- a/1016Report/1014_결과보고.pptx
+++ b/1016Report/1014_결과보고.pptx
@@ -224,7 +224,7 @@
           <a:p>
             <a:fld id="{265A5232-C53E-4F47-9B1D-10DC02294D1A}" type="datetimeFigureOut">
               <a:rPr lang="en-US" smtClean="0"/>
-              <a:t>10/14/2023</a:t>
+              <a:t>10/18/2023</a:t>
             </a:fld>
             <a:endParaRPr lang="en-US"/>
           </a:p>
@@ -474,7 +474,7 @@
           <a:p>
             <a:fld id="{F0AD61EE-A626-44D1-8BBF-C441989EBD45}" type="datetimeFigureOut">
               <a:rPr lang="ko-KR" altLang="en-US" smtClean="0"/>
-              <a:t>2023-10-14</a:t>
+              <a:t>2023-10-18</a:t>
             </a:fld>
             <a:endParaRPr lang="ko-KR" altLang="en-US"/>
           </a:p>
@@ -672,7 +672,7 @@
           <a:p>
             <a:fld id="{F0AD61EE-A626-44D1-8BBF-C441989EBD45}" type="datetimeFigureOut">
               <a:rPr lang="ko-KR" altLang="en-US" smtClean="0"/>
-              <a:t>2023-10-14</a:t>
+              <a:t>2023-10-18</a:t>
             </a:fld>
             <a:endParaRPr lang="ko-KR" altLang="en-US"/>
           </a:p>
@@ -880,7 +880,7 @@
           <a:p>
             <a:fld id="{F0AD61EE-A626-44D1-8BBF-C441989EBD45}" type="datetimeFigureOut">
               <a:rPr lang="ko-KR" altLang="en-US" smtClean="0"/>
-              <a:t>2023-10-14</a:t>
+              <a:t>2023-10-18</a:t>
             </a:fld>
             <a:endParaRPr lang="ko-KR" altLang="en-US"/>
           </a:p>
@@ -1122,7 +1122,7 @@
           <a:p>
             <a:fld id="{F0AD61EE-A626-44D1-8BBF-C441989EBD45}" type="datetimeFigureOut">
               <a:rPr lang="ko-KR" altLang="en-US" smtClean="0"/>
-              <a:t>2023-10-14</a:t>
+              <a:t>2023-10-18</a:t>
             </a:fld>
             <a:endParaRPr lang="ko-KR" altLang="en-US"/>
           </a:p>
@@ -1438,7 +1438,7 @@
           <a:p>
             <a:fld id="{F0AD61EE-A626-44D1-8BBF-C441989EBD45}" type="datetimeFigureOut">
               <a:rPr lang="ko-KR" altLang="en-US" smtClean="0"/>
-              <a:t>2023-10-14</a:t>
+              <a:t>2023-10-18</a:t>
             </a:fld>
             <a:endParaRPr lang="ko-KR" altLang="en-US"/>
           </a:p>
@@ -1744,7 +1744,7 @@
           <a:p>
             <a:fld id="{F0AD61EE-A626-44D1-8BBF-C441989EBD45}" type="datetimeFigureOut">
               <a:rPr lang="ko-KR" altLang="en-US" smtClean="0"/>
-              <a:t>2023-10-14</a:t>
+              <a:t>2023-10-18</a:t>
             </a:fld>
             <a:endParaRPr lang="ko-KR" altLang="en-US"/>
           </a:p>
@@ -2156,7 +2156,7 @@
           <a:p>
             <a:fld id="{F0AD61EE-A626-44D1-8BBF-C441989EBD45}" type="datetimeFigureOut">
               <a:rPr lang="ko-KR" altLang="en-US" smtClean="0"/>
-              <a:t>2023-10-14</a:t>
+              <a:t>2023-10-18</a:t>
             </a:fld>
             <a:endParaRPr lang="ko-KR" altLang="en-US"/>
           </a:p>
@@ -2297,7 +2297,7 @@
           <a:p>
             <a:fld id="{F0AD61EE-A626-44D1-8BBF-C441989EBD45}" type="datetimeFigureOut">
               <a:rPr lang="ko-KR" altLang="en-US" smtClean="0"/>
-              <a:t>2023-10-14</a:t>
+              <a:t>2023-10-18</a:t>
             </a:fld>
             <a:endParaRPr lang="ko-KR" altLang="en-US"/>
           </a:p>
@@ -2410,7 +2410,7 @@
           <a:p>
             <a:fld id="{F0AD61EE-A626-44D1-8BBF-C441989EBD45}" type="datetimeFigureOut">
               <a:rPr lang="ko-KR" altLang="en-US" smtClean="0"/>
-              <a:t>2023-10-14</a:t>
+              <a:t>2023-10-18</a:t>
             </a:fld>
             <a:endParaRPr lang="ko-KR" altLang="en-US"/>
           </a:p>
@@ -2721,7 +2721,7 @@
           <a:p>
             <a:fld id="{F0AD61EE-A626-44D1-8BBF-C441989EBD45}" type="datetimeFigureOut">
               <a:rPr lang="ko-KR" altLang="en-US" smtClean="0"/>
-              <a:t>2023-10-14</a:t>
+              <a:t>2023-10-18</a:t>
             </a:fld>
             <a:endParaRPr lang="ko-KR" altLang="en-US"/>
           </a:p>
@@ -3009,7 +3009,7 @@
           <a:p>
             <a:fld id="{F0AD61EE-A626-44D1-8BBF-C441989EBD45}" type="datetimeFigureOut">
               <a:rPr lang="ko-KR" altLang="en-US" smtClean="0"/>
-              <a:t>2023-10-14</a:t>
+              <a:t>2023-10-18</a:t>
             </a:fld>
             <a:endParaRPr lang="ko-KR" altLang="en-US"/>
           </a:p>
@@ -3250,7 +3250,7 @@
           <a:p>
             <a:fld id="{F0AD61EE-A626-44D1-8BBF-C441989EBD45}" type="datetimeFigureOut">
               <a:rPr lang="ko-KR" altLang="en-US" smtClean="0"/>
-              <a:t>2023-10-14</a:t>
+              <a:t>2023-10-18</a:t>
             </a:fld>
             <a:endParaRPr lang="ko-KR" altLang="en-US"/>
           </a:p>
@@ -3838,11 +3838,13 @@
         </p:nvSpPr>
         <p:spPr/>
         <p:txBody>
-          <a:bodyPr/>
+          <a:bodyPr>
+            <a:normAutofit/>
+          </a:bodyPr>
           <a:lstStyle/>
           <a:p>
             <a:r>
-              <a:rPr lang="ko-KR" altLang="en-US" dirty="0">
+              <a:rPr lang="ko-KR" altLang="en-US" sz="1800" dirty="0">
                 <a:latin typeface="KoPubWorldDotum Light" panose="00000300000000000000" pitchFamily="2" charset="-127"/>
                 <a:ea typeface="KoPubWorldDotum Light" panose="00000300000000000000" pitchFamily="2" charset="-127"/>
                 <a:cs typeface="KoPubWorldDotum Light" panose="00000300000000000000" pitchFamily="2" charset="-127"/>
@@ -3850,7 +3852,7 @@
               <a:t>충돌</a:t>
             </a:r>
             <a:r>
-              <a:rPr lang="en-US" altLang="ko-KR" dirty="0">
+              <a:rPr lang="en-US" altLang="ko-KR" sz="1800" dirty="0">
                 <a:latin typeface="KoPubWorldDotum Light" panose="00000300000000000000" pitchFamily="2" charset="-127"/>
                 <a:ea typeface="KoPubWorldDotum Light" panose="00000300000000000000" pitchFamily="2" charset="-127"/>
                 <a:cs typeface="KoPubWorldDotum Light" panose="00000300000000000000" pitchFamily="2" charset="-127"/>
@@ -3858,7 +3860,7 @@
               <a:t>: IPG 3</a:t>
             </a:r>
             <a:r>
-              <a:rPr lang="ko-KR" altLang="en-US" dirty="0">
+              <a:rPr lang="ko-KR" altLang="en-US" sz="1800" dirty="0">
                 <a:latin typeface="KoPubWorldDotum Light" panose="00000300000000000000" pitchFamily="2" charset="-127"/>
                 <a:ea typeface="KoPubWorldDotum Light" panose="00000300000000000000" pitchFamily="2" charset="-127"/>
                 <a:cs typeface="KoPubWorldDotum Light" panose="00000300000000000000" pitchFamily="2" charset="-127"/>
@@ -3866,7 +3868,7 @@
               <a:t>회</a:t>
             </a:r>
             <a:r>
-              <a:rPr lang="en-US" altLang="ko-KR" dirty="0">
+              <a:rPr lang="en-US" altLang="ko-KR" sz="1800" dirty="0">
                 <a:latin typeface="KoPubWorldDotum Light" panose="00000300000000000000" pitchFamily="2" charset="-127"/>
                 <a:ea typeface="KoPubWorldDotum Light" panose="00000300000000000000" pitchFamily="2" charset="-127"/>
                 <a:cs typeface="KoPubWorldDotum Light" panose="00000300000000000000" pitchFamily="2" charset="-127"/>
@@ -3874,14 +3876,14 @@
               <a:t>, RL 2</a:t>
             </a:r>
             <a:r>
-              <a:rPr lang="ko-KR" altLang="en-US" dirty="0">
+              <a:rPr lang="ko-KR" altLang="en-US" sz="1800" dirty="0">
                 <a:latin typeface="KoPubWorldDotum Light" panose="00000300000000000000" pitchFamily="2" charset="-127"/>
                 <a:ea typeface="KoPubWorldDotum Light" panose="00000300000000000000" pitchFamily="2" charset="-127"/>
                 <a:cs typeface="KoPubWorldDotum Light" panose="00000300000000000000" pitchFamily="2" charset="-127"/>
               </a:rPr>
               <a:t>회</a:t>
             </a:r>
-            <a:endParaRPr lang="en-US" altLang="ko-KR" dirty="0">
+            <a:endParaRPr lang="en-US" altLang="ko-KR" sz="1800" dirty="0">
               <a:latin typeface="KoPubWorldDotum Light" panose="00000300000000000000" pitchFamily="2" charset="-127"/>
               <a:ea typeface="KoPubWorldDotum Light" panose="00000300000000000000" pitchFamily="2" charset="-127"/>
               <a:cs typeface="KoPubWorldDotum Light" panose="00000300000000000000" pitchFamily="2" charset="-127"/>
@@ -3889,7 +3891,7 @@
           </a:p>
           <a:p>
             <a:r>
-              <a:rPr lang="ko-KR" altLang="en-US" dirty="0">
+              <a:rPr lang="ko-KR" altLang="en-US" sz="1800" dirty="0">
                 <a:latin typeface="KoPubWorldDotum Light" panose="00000300000000000000" pitchFamily="2" charset="-127"/>
                 <a:ea typeface="KoPubWorldDotum Light" panose="00000300000000000000" pitchFamily="2" charset="-127"/>
                 <a:cs typeface="KoPubWorldDotum Light" panose="00000300000000000000" pitchFamily="2" charset="-127"/>
@@ -3897,7 +3899,7 @@
               <a:t>전체 걸린 시간</a:t>
             </a:r>
             <a:r>
-              <a:rPr lang="en-US" altLang="ko-KR" dirty="0">
+              <a:rPr lang="en-US" altLang="ko-KR" sz="1800" dirty="0">
                 <a:latin typeface="KoPubWorldDotum Light" panose="00000300000000000000" pitchFamily="2" charset="-127"/>
                 <a:ea typeface="KoPubWorldDotum Light" panose="00000300000000000000" pitchFamily="2" charset="-127"/>
                 <a:cs typeface="KoPubWorldDotum Light" panose="00000300000000000000" pitchFamily="2" charset="-127"/>
@@ -3905,22 +3907,22 @@
               <a:t>: </a:t>
             </a:r>
             <a:r>
-              <a:rPr lang="en-US" altLang="ko-KR" dirty="0"/>
+              <a:rPr lang="en-US" altLang="ko-KR" sz="1800" dirty="0"/>
               <a:t>IPG</a:t>
             </a:r>
             <a:r>
-              <a:rPr lang="ko-KR" altLang="en-US" dirty="0"/>
+              <a:rPr lang="ko-KR" altLang="en-US" sz="1800" dirty="0"/>
               <a:t>가 </a:t>
             </a:r>
             <a:r>
-              <a:rPr lang="en-US" altLang="ko-KR" dirty="0"/>
+              <a:rPr lang="en-US" altLang="ko-KR" sz="1800" dirty="0"/>
               <a:t>0.02</a:t>
             </a:r>
             <a:r>
-              <a:rPr lang="ko-KR" altLang="en-US" dirty="0"/>
+              <a:rPr lang="ko-KR" altLang="en-US" sz="1800" dirty="0"/>
               <a:t>초 빠름</a:t>
             </a:r>
-            <a:endParaRPr lang="en-US" altLang="ko-KR" dirty="0">
+            <a:endParaRPr lang="en-US" altLang="ko-KR" sz="1800" dirty="0">
               <a:latin typeface="KoPubWorldDotum Light" panose="00000300000000000000" pitchFamily="2" charset="-127"/>
               <a:ea typeface="KoPubWorldDotum Light" panose="00000300000000000000" pitchFamily="2" charset="-127"/>
               <a:cs typeface="KoPubWorldDotum Light" panose="00000300000000000000" pitchFamily="2" charset="-127"/>
@@ -3928,7 +3930,7 @@
           </a:p>
           <a:p>
             <a:r>
-              <a:rPr lang="en-US" dirty="0">
+              <a:rPr lang="en-US" sz="1800" dirty="0">
                 <a:latin typeface="KoPubWorldDotum Light" panose="00000300000000000000" pitchFamily="2" charset="-127"/>
                 <a:ea typeface="KoPubWorldDotum Light" panose="00000300000000000000" pitchFamily="2" charset="-127"/>
                 <a:cs typeface="KoPubWorldDotum Light" panose="00000300000000000000" pitchFamily="2" charset="-127"/>
@@ -3936,14 +3938,14 @@
               <a:t>Roll rate, yaw rate, maximum lateral acceleration: IPG</a:t>
             </a:r>
             <a:r>
-              <a:rPr lang="ko-KR" altLang="en-US" dirty="0">
+              <a:rPr lang="ko-KR" altLang="en-US" sz="1800" dirty="0">
                 <a:latin typeface="KoPubWorldDotum Light" panose="00000300000000000000" pitchFamily="2" charset="-127"/>
                 <a:ea typeface="KoPubWorldDotum Light" panose="00000300000000000000" pitchFamily="2" charset="-127"/>
                 <a:cs typeface="KoPubWorldDotum Light" panose="00000300000000000000" pitchFamily="2" charset="-127"/>
               </a:rPr>
               <a:t>가 우세함</a:t>
             </a:r>
-            <a:endParaRPr lang="en-US" dirty="0">
+            <a:endParaRPr lang="en-US" sz="1800" dirty="0">
               <a:latin typeface="KoPubWorldDotum Light" panose="00000300000000000000" pitchFamily="2" charset="-127"/>
               <a:ea typeface="KoPubWorldDotum Light" panose="00000300000000000000" pitchFamily="2" charset="-127"/>
               <a:cs typeface="KoPubWorldDotum Light" panose="00000300000000000000" pitchFamily="2" charset="-127"/>
@@ -5176,30 +5178,32 @@
         </p:nvSpPr>
         <p:spPr/>
         <p:txBody>
-          <a:bodyPr/>
+          <a:bodyPr>
+            <a:normAutofit/>
+          </a:bodyPr>
           <a:lstStyle/>
           <a:p>
             <a:r>
-              <a:rPr lang="en-US" dirty="0"/>
+              <a:rPr lang="en-US" sz="2000" dirty="0"/>
               <a:t>SLALOM_env_low.py</a:t>
             </a:r>
           </a:p>
           <a:p>
-            <a:endParaRPr lang="en-US" altLang="ko-KR" sz="1800" dirty="0">
+            <a:endParaRPr lang="en-US" altLang="ko-KR" sz="1400" dirty="0">
               <a:hlinkClick r:id="rId2"/>
             </a:endParaRPr>
           </a:p>
           <a:p>
             <a:r>
-              <a:rPr lang="en-US" altLang="ko-KR" sz="1800" dirty="0">
+              <a:rPr lang="en-US" altLang="ko-KR" sz="1400" dirty="0">
                 <a:hlinkClick r:id="rId2"/>
               </a:rPr>
               <a:t>https://tensorboard.dev/experiment/4BHgjddaTQOpLBOztJDxag/#scalars</a:t>
             </a:r>
-            <a:endParaRPr lang="en-US" altLang="ko-KR" sz="1800" dirty="0"/>
-          </a:p>
-          <a:p>
-            <a:endParaRPr lang="en-US" dirty="0"/>
+            <a:endParaRPr lang="en-US" altLang="ko-KR" sz="1400" dirty="0"/>
+          </a:p>
+          <a:p>
+            <a:endParaRPr lang="en-US" sz="2000" dirty="0"/>
           </a:p>
         </p:txBody>
       </p:sp>
@@ -5284,11 +5288,13 @@
         </p:nvSpPr>
         <p:spPr/>
         <p:txBody>
-          <a:bodyPr/>
+          <a:bodyPr>
+            <a:normAutofit/>
+          </a:bodyPr>
           <a:lstStyle/>
           <a:p>
             <a:r>
-              <a:rPr lang="ko-KR" altLang="en-US" dirty="0">
+              <a:rPr lang="ko-KR" altLang="en-US" sz="1800" dirty="0">
                 <a:latin typeface="KoPubWorldDotum Light" panose="00000300000000000000" pitchFamily="2" charset="-127"/>
                 <a:ea typeface="KoPubWorldDotum Light" panose="00000300000000000000" pitchFamily="2" charset="-127"/>
                 <a:cs typeface="KoPubWorldDotum Light" panose="00000300000000000000" pitchFamily="2" charset="-127"/>
@@ -5296,7 +5302,7 @@
               <a:t>충돌</a:t>
             </a:r>
             <a:r>
-              <a:rPr lang="en-US" altLang="ko-KR" dirty="0">
+              <a:rPr lang="en-US" altLang="ko-KR" sz="1800" dirty="0">
                 <a:latin typeface="KoPubWorldDotum Light" panose="00000300000000000000" pitchFamily="2" charset="-127"/>
                 <a:ea typeface="KoPubWorldDotum Light" panose="00000300000000000000" pitchFamily="2" charset="-127"/>
                 <a:cs typeface="KoPubWorldDotum Light" panose="00000300000000000000" pitchFamily="2" charset="-127"/>
@@ -5304,14 +5310,14 @@
               <a:t>: IPG, RL </a:t>
             </a:r>
             <a:r>
-              <a:rPr lang="ko-KR" altLang="en-US" dirty="0">
+              <a:rPr lang="ko-KR" altLang="en-US" sz="1800" dirty="0">
                 <a:latin typeface="KoPubWorldDotum Light" panose="00000300000000000000" pitchFamily="2" charset="-127"/>
                 <a:ea typeface="KoPubWorldDotum Light" panose="00000300000000000000" pitchFamily="2" charset="-127"/>
                 <a:cs typeface="KoPubWorldDotum Light" panose="00000300000000000000" pitchFamily="2" charset="-127"/>
               </a:rPr>
               <a:t>모두 하지 않음</a:t>
             </a:r>
-            <a:endParaRPr lang="en-US" altLang="ko-KR" dirty="0">
+            <a:endParaRPr lang="en-US" altLang="ko-KR" sz="1800" dirty="0">
               <a:latin typeface="KoPubWorldDotum Light" panose="00000300000000000000" pitchFamily="2" charset="-127"/>
               <a:ea typeface="KoPubWorldDotum Light" panose="00000300000000000000" pitchFamily="2" charset="-127"/>
               <a:cs typeface="KoPubWorldDotum Light" panose="00000300000000000000" pitchFamily="2" charset="-127"/>
@@ -5319,7 +5325,7 @@
           </a:p>
           <a:p>
             <a:r>
-              <a:rPr lang="ko-KR" altLang="en-US" dirty="0">
+              <a:rPr lang="ko-KR" altLang="en-US" sz="1800" dirty="0">
                 <a:latin typeface="KoPubWorldDotum Light" panose="00000300000000000000" pitchFamily="2" charset="-127"/>
                 <a:ea typeface="KoPubWorldDotum Light" panose="00000300000000000000" pitchFamily="2" charset="-127"/>
                 <a:cs typeface="KoPubWorldDotum Light" panose="00000300000000000000" pitchFamily="2" charset="-127"/>
@@ -5327,7 +5333,7 @@
               <a:t>전체 걸린 시간</a:t>
             </a:r>
             <a:r>
-              <a:rPr lang="en-US" altLang="ko-KR" dirty="0">
+              <a:rPr lang="en-US" altLang="ko-KR" sz="1800" dirty="0">
                 <a:latin typeface="KoPubWorldDotum Light" panose="00000300000000000000" pitchFamily="2" charset="-127"/>
                 <a:ea typeface="KoPubWorldDotum Light" panose="00000300000000000000" pitchFamily="2" charset="-127"/>
                 <a:cs typeface="KoPubWorldDotum Light" panose="00000300000000000000" pitchFamily="2" charset="-127"/>
@@ -5335,14 +5341,14 @@
               <a:t>: RL</a:t>
             </a:r>
             <a:r>
-              <a:rPr lang="ko-KR" altLang="en-US" dirty="0">
+              <a:rPr lang="ko-KR" altLang="en-US" sz="1800" dirty="0">
                 <a:latin typeface="KoPubWorldDotum Light" panose="00000300000000000000" pitchFamily="2" charset="-127"/>
                 <a:ea typeface="KoPubWorldDotum Light" panose="00000300000000000000" pitchFamily="2" charset="-127"/>
                 <a:cs typeface="KoPubWorldDotum Light" panose="00000300000000000000" pitchFamily="2" charset="-127"/>
               </a:rPr>
               <a:t>이 근소하게 빠르지만 큰 차이가 없음</a:t>
             </a:r>
-            <a:endParaRPr lang="en-US" altLang="ko-KR" dirty="0">
+            <a:endParaRPr lang="en-US" altLang="ko-KR" sz="1800" dirty="0">
               <a:latin typeface="KoPubWorldDotum Light" panose="00000300000000000000" pitchFamily="2" charset="-127"/>
               <a:ea typeface="KoPubWorldDotum Light" panose="00000300000000000000" pitchFamily="2" charset="-127"/>
               <a:cs typeface="KoPubWorldDotum Light" panose="00000300000000000000" pitchFamily="2" charset="-127"/>
@@ -5350,7 +5356,7 @@
           </a:p>
           <a:p>
             <a:r>
-              <a:rPr lang="en-US" dirty="0">
+              <a:rPr lang="en-US" sz="1800" dirty="0">
                 <a:latin typeface="KoPubWorldDotum Light" panose="00000300000000000000" pitchFamily="2" charset="-127"/>
                 <a:ea typeface="KoPubWorldDotum Light" panose="00000300000000000000" pitchFamily="2" charset="-127"/>
                 <a:cs typeface="KoPubWorldDotum Light" panose="00000300000000000000" pitchFamily="2" charset="-127"/>
@@ -5358,14 +5364,14 @@
               <a:t>Roll rate, yaw rate, maximum lateral acceleration: RL</a:t>
             </a:r>
             <a:r>
-              <a:rPr lang="ko-KR" altLang="en-US" dirty="0">
+              <a:rPr lang="ko-KR" altLang="en-US" sz="1800" dirty="0">
                 <a:latin typeface="KoPubWorldDotum Light" panose="00000300000000000000" pitchFamily="2" charset="-127"/>
                 <a:ea typeface="KoPubWorldDotum Light" panose="00000300000000000000" pitchFamily="2" charset="-127"/>
                 <a:cs typeface="KoPubWorldDotum Light" panose="00000300000000000000" pitchFamily="2" charset="-127"/>
               </a:rPr>
               <a:t>이 우세함</a:t>
             </a:r>
-            <a:endParaRPr lang="en-US" dirty="0">
+            <a:endParaRPr lang="en-US" sz="1800" dirty="0">
               <a:latin typeface="KoPubWorldDotum Light" panose="00000300000000000000" pitchFamily="2" charset="-127"/>
               <a:ea typeface="KoPubWorldDotum Light" panose="00000300000000000000" pitchFamily="2" charset="-127"/>
               <a:cs typeface="KoPubWorldDotum Light" panose="00000300000000000000" pitchFamily="2" charset="-127"/>
@@ -6631,30 +6637,32 @@
         </p:nvSpPr>
         <p:spPr/>
         <p:txBody>
-          <a:bodyPr/>
+          <a:bodyPr>
+            <a:normAutofit/>
+          </a:bodyPr>
           <a:lstStyle/>
           <a:p>
             <a:r>
-              <a:rPr lang="en-US" dirty="0"/>
+              <a:rPr lang="en-US" sz="2400" dirty="0"/>
               <a:t>DLC_env_low.py</a:t>
             </a:r>
           </a:p>
           <a:p>
-            <a:endParaRPr lang="en-US" altLang="ko-KR" sz="1800" dirty="0">
+            <a:endParaRPr lang="en-US" altLang="ko-KR" sz="1600" dirty="0">
               <a:hlinkClick r:id="rId2"/>
             </a:endParaRPr>
           </a:p>
           <a:p>
             <a:r>
-              <a:rPr lang="en-US" altLang="ko-KR" sz="1800" dirty="0">
+              <a:rPr lang="en-US" altLang="ko-KR" sz="1600" dirty="0">
                 <a:hlinkClick r:id="rId2"/>
               </a:rPr>
               <a:t>https://tensorboard.dev/experiment/4BHgjddaTQOpLBOztJDxag/#scalars</a:t>
             </a:r>
-            <a:endParaRPr lang="en-US" altLang="ko-KR" sz="1800" dirty="0"/>
-          </a:p>
-          <a:p>
-            <a:endParaRPr lang="en-US" dirty="0"/>
+            <a:endParaRPr lang="en-US" altLang="ko-KR" sz="1600" dirty="0"/>
+          </a:p>
+          <a:p>
+            <a:endParaRPr lang="en-US" sz="2400" dirty="0"/>
           </a:p>
         </p:txBody>
       </p:sp>
